--- a/training-cards/agile moves/Workshops (WOR)/ger/apprentice/ger_WOR_01_Was_braucht_mein_Team_AM_A.pptx
+++ b/training-cards/agile moves/Workshops (WOR)/ger/apprentice/ger_WOR_01_Was_braucht_mein_Team_AM_A.pptx
@@ -3862,7 +3862,7 @@
         </p:nvSpPr>
         <p:spPr>
           <a:xfrm>
-            <a:off x="858838" y="1468734"/>
+            <a:off x="858838" y="1447742"/>
             <a:ext cx="6265862" cy="3502025"/>
           </a:xfrm>
         </p:spPr>
@@ -3881,28 +3881,28 @@
               </a:spcBef>
             </a:pPr>
             <a:r>
-              <a:rPr lang="de-DE" sz="1100" b="1" dirty="0" smtClean="0">
+              <a:rPr lang="de-DE" sz="1050" b="1" dirty="0" smtClean="0">
                 <a:latin typeface="Avenir Heavy"/>
                 <a:cs typeface="Avenir Heavy"/>
               </a:rPr>
               <a:t>Input</a:t>
             </a:r>
             <a:r>
-              <a:rPr lang="de-DE" sz="1100" b="1" dirty="0">
+              <a:rPr lang="de-DE" sz="1050" b="1" dirty="0">
                 <a:latin typeface="Avenir Heavy"/>
                 <a:cs typeface="Avenir Heavy"/>
               </a:rPr>
               <a:t>:</a:t>
             </a:r>
             <a:r>
-              <a:rPr lang="de-DE" sz="1100" dirty="0">
+              <a:rPr lang="de-DE" sz="1050" dirty="0">
                 <a:latin typeface="Avenir Heavy"/>
                 <a:cs typeface="Avenir Heavy"/>
               </a:rPr>
               <a:t> </a:t>
             </a:r>
             <a:r>
-              <a:rPr lang="de-DE" sz="1100" dirty="0"/>
+              <a:rPr lang="de-DE" sz="1050" dirty="0"/>
               <a:t>Ein Team, das sich verbessern will.</a:t>
             </a:r>
           </a:p>
@@ -3916,25 +3916,25 @@
               </a:spcBef>
             </a:pPr>
             <a:r>
-              <a:rPr lang="de-DE" sz="1100" b="1" dirty="0">
+              <a:rPr lang="de-DE" sz="1050" b="1" dirty="0">
                 <a:latin typeface="Avenir Heavy"/>
                 <a:cs typeface="Avenir Heavy"/>
               </a:rPr>
               <a:t>Output:</a:t>
             </a:r>
             <a:r>
-              <a:rPr lang="de-DE" sz="1100" dirty="0"/>
+              <a:rPr lang="de-DE" sz="1050" dirty="0"/>
               <a:t> Fähigkeiten-Story </a:t>
             </a:r>
             <a:r>
-              <a:rPr lang="de-DE" sz="1100" dirty="0" err="1" smtClean="0"/>
+              <a:rPr lang="de-DE" sz="1050" dirty="0" err="1" smtClean="0"/>
               <a:t>Map</a:t>
             </a:r>
             <a:r>
-              <a:rPr lang="de-DE" sz="1100" dirty="0" smtClean="0"/>
+              <a:rPr lang="de-DE" sz="1050" dirty="0" smtClean="0"/>
               <a:t> </a:t>
             </a:r>
-            <a:endParaRPr lang="de-DE" sz="1100" dirty="0"/>
+            <a:endParaRPr lang="de-DE" sz="1050" dirty="0"/>
           </a:p>
           <a:p>
             <a:pPr>
@@ -3946,8 +3946,24 @@
               </a:spcBef>
             </a:pPr>
             <a:r>
-              <a:rPr lang="de-DE" sz="1100" dirty="0"/>
-              <a:t>Um ein sinnvolles Training für mein Team ansetzen zu können ist es notwendig zu wissen, was es braucht.</a:t>
+              <a:rPr lang="de-DE" sz="1050" dirty="0"/>
+              <a:t>Um ein sinnvolles Training für mein Team ansetzen zu </a:t>
+            </a:r>
+            <a:r>
+              <a:rPr lang="de-DE" sz="1050" dirty="0" smtClean="0"/>
+              <a:t>können, </a:t>
+            </a:r>
+            <a:r>
+              <a:rPr lang="de-DE" sz="1050" dirty="0"/>
+              <a:t>ist es notwendig zu wissen, was </a:t>
+            </a:r>
+            <a:r>
+              <a:rPr lang="de-DE" sz="1050" dirty="0" smtClean="0"/>
+              <a:t>das Team braucht</a:t>
+            </a:r>
+            <a:r>
+              <a:rPr lang="de-DE" sz="1050" dirty="0"/>
+              <a:t>.</a:t>
             </a:r>
           </a:p>
           <a:p>
@@ -3960,8 +3976,16 @@
               </a:spcBef>
             </a:pPr>
             <a:r>
-              <a:rPr lang="de-DE" sz="1100" dirty="0"/>
-              <a:t>Niemand kann das besser beurteilen als das Team selbst, denn bei der Arbeit entsteht auch der Überblick über das, was das Team können sollte um diese Arbeit zu meistern. </a:t>
+              <a:rPr lang="de-DE" sz="1050" dirty="0"/>
+              <a:t>Niemand kann das besser beurteilen als das Team selbst, denn bei der Arbeit entsteht auch der Überblick über das, was das Team können </a:t>
+            </a:r>
+            <a:r>
+              <a:rPr lang="de-DE" sz="1050" dirty="0" smtClean="0"/>
+              <a:t>sollte, </a:t>
+            </a:r>
+            <a:r>
+              <a:rPr lang="de-DE" sz="1050" dirty="0"/>
+              <a:t>um diese Arbeit zu meistern. </a:t>
             </a:r>
           </a:p>
           <a:p>
@@ -3974,44 +3998,48 @@
               </a:spcBef>
             </a:pPr>
             <a:r>
-              <a:rPr lang="de-DE" sz="1100" dirty="0"/>
+              <a:rPr lang="de-DE" sz="1050" dirty="0"/>
               <a:t>Das Resultat dieses Workshops ist eine Story </a:t>
             </a:r>
             <a:r>
-              <a:rPr lang="de-DE" sz="1100" dirty="0" smtClean="0"/>
+              <a:rPr lang="de-DE" sz="1050" dirty="0" smtClean="0"/>
               <a:t>Map</a:t>
             </a:r>
             <a:r>
-              <a:rPr lang="de-DE" sz="1100" baseline="30000" dirty="0" smtClean="0"/>
+              <a:rPr lang="de-DE" sz="1050" baseline="30000" dirty="0" smtClean="0"/>
               <a:t>1</a:t>
             </a:r>
             <a:r>
-              <a:rPr lang="de-DE" sz="1100" dirty="0" smtClean="0"/>
+              <a:rPr lang="de-DE" sz="1050" dirty="0" smtClean="0"/>
               <a:t>, </a:t>
             </a:r>
             <a:r>
-              <a:rPr lang="de-DE" sz="1100" dirty="0"/>
+              <a:rPr lang="de-DE" sz="1050" dirty="0"/>
               <a:t>die die Perspektiven aus dem Team sammelt und </a:t>
             </a:r>
             <a:r>
-              <a:rPr lang="de-DE" sz="1100" dirty="0" err="1"/>
-              <a:t>clustert</a:t>
-            </a:r>
-            <a:r>
-              <a:rPr lang="de-DE" sz="1100" dirty="0"/>
-              <a:t>, welche Fähigkeiten man für hochwertige </a:t>
-            </a:r>
-            <a:r>
-              <a:rPr lang="de-DE" sz="1100" dirty="0" err="1"/>
+              <a:rPr lang="de-DE" sz="1050" dirty="0" smtClean="0"/>
+              <a:t>kategorisiert, </a:t>
+            </a:r>
+            <a:r>
+              <a:rPr lang="de-DE" sz="1050" dirty="0"/>
+              <a:t>welche Fähigkeiten man </a:t>
+            </a:r>
+            <a:r>
+              <a:rPr lang="de-DE" sz="1050" dirty="0" smtClean="0"/>
+              <a:t>für hochwertige </a:t>
+            </a:r>
+            <a:r>
+              <a:rPr lang="de-DE" sz="1050" dirty="0" err="1" smtClean="0"/>
               <a:t>Softwarentwicklung</a:t>
             </a:r>
             <a:r>
-              <a:rPr lang="de-DE" sz="1100" dirty="0"/>
-              <a:t> </a:t>
-            </a:r>
-            <a:r>
-              <a:rPr lang="de-DE" sz="1100" dirty="0" smtClean="0"/>
-              <a:t>benötigt.</a:t>
+              <a:rPr lang="de-DE" sz="1050" dirty="0" smtClean="0"/>
+              <a:t> und die zu bewältigenden Aufgaben benötigt</a:t>
+            </a:r>
+            <a:r>
+              <a:rPr lang="de-DE" sz="1050" dirty="0" smtClean="0"/>
+              <a:t>.</a:t>
             </a:r>
           </a:p>
           <a:p>
@@ -4024,17 +4052,17 @@
               </a:spcBef>
             </a:pPr>
             <a:r>
-              <a:rPr lang="de-DE" sz="1100" dirty="0" smtClean="0"/>
+              <a:rPr lang="de-DE" sz="1050" dirty="0" smtClean="0"/>
               <a:t>Überlegt Euch, ob ihr mit diesem Workshop einen oder mehrere der Bereiche</a:t>
             </a:r>
             <a:br>
-              <a:rPr lang="de-DE" sz="1100" dirty="0" smtClean="0"/>
+              <a:rPr lang="de-DE" sz="1050" dirty="0" smtClean="0"/>
             </a:br>
             <a:r>
-              <a:rPr lang="de-DE" sz="1100" dirty="0" smtClean="0"/>
+              <a:rPr lang="de-DE" sz="1050" dirty="0" smtClean="0"/>
               <a:t> Anforderung – Entwicklung – Betrieb abdecken möchtet.</a:t>
             </a:r>
-            <a:endParaRPr lang="de-DE" sz="1100" dirty="0"/>
+            <a:endParaRPr lang="de-DE" sz="1050" dirty="0"/>
           </a:p>
           <a:p>
             <a:pPr>
@@ -4046,7 +4074,7 @@
               </a:spcBef>
             </a:pPr>
             <a:r>
-              <a:rPr lang="de-DE" sz="1100" dirty="0"/>
+              <a:rPr lang="de-DE" sz="1050" dirty="0"/>
               <a:t>Vielleicht gibt es auch den Wunsch nach einigen Fähigkeiten, die aber im Team noch nicht vorhanden sind. Vor allem dafür sollte in diesem Workshop Platz sein.</a:t>
             </a:r>
           </a:p>
@@ -4060,11 +4088,11 @@
               </a:spcBef>
             </a:pPr>
             <a:r>
-              <a:rPr lang="de-DE" sz="1100" dirty="0"/>
+              <a:rPr lang="de-DE" sz="1050" dirty="0"/>
               <a:t>Der Workshop schafft eine Wahrnehmung, die erst wachsen muss. Fähigkeiten können hinzukommen, wegfallen oder es ändert sich ihre Priorisierung</a:t>
             </a:r>
             <a:r>
-              <a:rPr lang="de-DE" sz="1100" dirty="0" smtClean="0"/>
+              <a:rPr lang="de-DE" sz="1050" dirty="0" smtClean="0"/>
               <a:t>. </a:t>
             </a:r>
           </a:p>
@@ -4078,50 +4106,58 @@
               </a:spcBef>
             </a:pPr>
             <a:r>
-              <a:rPr lang="de-DE" sz="1100" dirty="0" smtClean="0"/>
+              <a:rPr lang="de-DE" sz="1050" dirty="0" smtClean="0"/>
               <a:t>Daher </a:t>
             </a:r>
             <a:r>
-              <a:rPr lang="de-DE" sz="1100" dirty="0"/>
+              <a:rPr lang="de-DE" sz="1050" dirty="0"/>
               <a:t>ist es sinnvoll, nach dem Workshop den Move "Drain </a:t>
             </a:r>
             <a:r>
-              <a:rPr lang="de-DE" sz="1100" dirty="0" err="1"/>
+              <a:rPr lang="de-DE" sz="1050" dirty="0" err="1"/>
               <a:t>Snake</a:t>
             </a:r>
             <a:r>
-              <a:rPr lang="de-DE" sz="1100" dirty="0"/>
-              <a:t>" (XXX 99) durchzuführen, um Argumente für/gegen die in der Story </a:t>
-            </a:r>
-            <a:r>
-              <a:rPr lang="de-DE" sz="1100" dirty="0" err="1"/>
+              <a:rPr lang="de-DE" sz="1050" dirty="0"/>
+              <a:t>" </a:t>
+            </a:r>
+            <a:r>
+              <a:rPr lang="de-DE" sz="1050" dirty="0" smtClean="0"/>
+              <a:t>(IDE 10) </a:t>
+            </a:r>
+            <a:r>
+              <a:rPr lang="de-DE" sz="1050" dirty="0"/>
+              <a:t>durchzuführen, um Argumente für/gegen die in der Story </a:t>
+            </a:r>
+            <a:r>
+              <a:rPr lang="de-DE" sz="1050" dirty="0" err="1"/>
               <a:t>Map</a:t>
             </a:r>
             <a:r>
-              <a:rPr lang="de-DE" sz="1100" dirty="0"/>
+              <a:rPr lang="de-DE" sz="1050" dirty="0"/>
               <a:t> zusammengetragenen Aspekte zu </a:t>
             </a:r>
             <a:r>
-              <a:rPr lang="de-DE" sz="1100" dirty="0" smtClean="0"/>
+              <a:rPr lang="de-DE" sz="1050" dirty="0" smtClean="0"/>
               <a:t>sammeln. Die Drain </a:t>
             </a:r>
             <a:r>
-              <a:rPr lang="de-DE" sz="1100" dirty="0" err="1" smtClean="0"/>
+              <a:rPr lang="de-DE" sz="1050" dirty="0" err="1" smtClean="0"/>
               <a:t>Snake</a:t>
             </a:r>
             <a:r>
-              <a:rPr lang="de-DE" sz="1100" dirty="0" smtClean="0"/>
+              <a:rPr lang="de-DE" sz="1050" dirty="0" smtClean="0"/>
               <a:t> ist </a:t>
             </a:r>
             <a:r>
-              <a:rPr lang="de-DE" sz="1100" dirty="0"/>
+              <a:rPr lang="de-DE" sz="1050" dirty="0"/>
               <a:t>zugleich die Vorbereitung für den 2. Workshop</a:t>
             </a:r>
             <a:r>
-              <a:rPr lang="de-DE" sz="1100" dirty="0" smtClean="0"/>
+              <a:rPr lang="de-DE" sz="1050" dirty="0" smtClean="0"/>
               <a:t>.</a:t>
             </a:r>
-            <a:endParaRPr lang="de-DE" sz="1100" dirty="0"/>
+            <a:endParaRPr lang="de-DE" sz="1050" dirty="0"/>
           </a:p>
         </p:txBody>
       </p:sp>
@@ -4319,13 +4355,8 @@
             </a:pPr>
             <a:r>
               <a:rPr lang="de-DE" dirty="0" smtClean="0"/>
-              <a:t>Zeit: mind. </a:t>
-            </a:r>
-            <a:r>
-              <a:rPr lang="de-DE" smtClean="0"/>
-              <a:t>90 Minuten</a:t>
-            </a:r>
-            <a:endParaRPr lang="de-DE" dirty="0" smtClean="0"/>
+              <a:t>Zeit: mind. 90 Minuten</a:t>
+            </a:r>
           </a:p>
           <a:p>
             <a:pPr>
@@ -4448,7 +4479,15 @@
             </a:r>
             <a:r>
               <a:rPr lang="de-DE" dirty="0" smtClean="0"/>
-              <a:t>vor und hängt die Zettel an eine Wand. Sucht dabei nach Clustern in den Fähigkeiten </a:t>
+              <a:t>vor und hängt die Zettel an eine Wand. Sucht dabei nach </a:t>
+            </a:r>
+            <a:r>
+              <a:rPr lang="de-DE" dirty="0" smtClean="0"/>
+              <a:t>Clustern </a:t>
+            </a:r>
+            <a:r>
+              <a:rPr lang="de-DE" dirty="0" smtClean="0"/>
+              <a:t>in den Fähigkeiten </a:t>
             </a:r>
             <a:r>
               <a:rPr lang="de-DE" dirty="0"/>
@@ -4558,7 +4597,11 @@
             </a:r>
             <a:r>
               <a:rPr lang="de-DE" dirty="0"/>
-              <a:t>" (XXX 99) </a:t>
+              <a:t>" </a:t>
+            </a:r>
+            <a:r>
+              <a:rPr lang="de-DE" dirty="0" smtClean="0"/>
+              <a:t>(IDE 10) </a:t>
             </a:r>
             <a:r>
               <a:rPr lang="de-DE" dirty="0" smtClean="0"/>

--- a/training-cards/agile moves/Workshops (WOR)/ger/apprentice/ger_WOR_01_Was_braucht_mein_Team_AM_A.pptx
+++ b/training-cards/agile moves/Workshops (WOR)/ger/apprentice/ger_WOR_01_Was_braucht_mein_Team_AM_A.pptx
@@ -1053,7 +1053,7 @@
         </p:blipFill>
         <p:spPr>
           <a:xfrm>
-            <a:off x="6191993" y="1005975"/>
+            <a:off x="6184858" y="742017"/>
             <a:ext cx="939800" cy="914400"/>
           </a:xfrm>
           <a:prstGeom prst="rect">
@@ -1101,7 +1101,7 @@
                 <a:latin typeface="Avenir Light"/>
                 <a:cs typeface="Avenir Light"/>
               </a:rPr>
-              <a:t>27.11.15</a:t>
+              <a:t>27.06.16</a:t>
             </a:fld>
             <a:endParaRPr lang="de-DE" sz="600" dirty="0">
               <a:solidFill>
@@ -1755,7 +1755,7 @@
                 <a:latin typeface="Avenir Light"/>
                 <a:cs typeface="Avenir Light"/>
               </a:rPr>
-              <a:t>27.11.15</a:t>
+              <a:t>27.06.16</a:t>
             </a:fld>
             <a:endParaRPr lang="de-DE" sz="600" dirty="0">
               <a:solidFill>
@@ -1887,7 +1887,7 @@
                 <a:latin typeface="Avenir Light"/>
                 <a:cs typeface="Avenir Light"/>
               </a:rPr>
-              <a:t>27.11.15</a:t>
+              <a:t>27.06.16</a:t>
             </a:fld>
             <a:endParaRPr lang="de-DE" sz="600" dirty="0">
               <a:solidFill>
@@ -2514,7 +2514,7 @@
                 <a:latin typeface="Avenir Light"/>
                 <a:cs typeface="Avenir Light"/>
               </a:rPr>
-              <a:t>27.11.15</a:t>
+              <a:t>27.06.16</a:t>
             </a:fld>
             <a:endParaRPr lang="de-DE" sz="600" dirty="0">
               <a:solidFill>
@@ -2695,7 +2695,7 @@
                 <a:latin typeface="Avenir Light"/>
                 <a:cs typeface="Avenir Light"/>
               </a:rPr>
-              <a:t>27.11.15</a:t>
+              <a:t>27.06.16</a:t>
             </a:fld>
             <a:endParaRPr lang="de-DE" sz="600" dirty="0">
               <a:solidFill>
@@ -3947,23 +3947,19 @@
             </a:pPr>
             <a:r>
               <a:rPr lang="de-DE" sz="1050" dirty="0"/>
-              <a:t>Um ein sinnvolles Training für mein Team ansetzen zu </a:t>
+              <a:t>Um einen sinnvollen Trainingsplan mit einem Team zu erarbeiten, </a:t>
             </a:r>
             <a:r>
               <a:rPr lang="de-DE" sz="1050" dirty="0" smtClean="0"/>
-              <a:t>können, </a:t>
-            </a:r>
-            <a:r>
-              <a:rPr lang="de-DE" sz="1050" dirty="0"/>
-              <a:t>ist es notwendig zu wissen, was </a:t>
+              <a:t>ist es notwendig zu wissen, was das Team braucht, um </a:t>
+            </a:r>
+            <a:r>
+              <a:rPr lang="de-DE" sz="1050" dirty="0" err="1" smtClean="0"/>
+              <a:t>Sotftware</a:t>
             </a:r>
             <a:r>
               <a:rPr lang="de-DE" sz="1050" dirty="0" smtClean="0"/>
-              <a:t>das Team braucht</a:t>
-            </a:r>
-            <a:r>
-              <a:rPr lang="de-DE" sz="1050" dirty="0"/>
-              <a:t>.</a:t>
+              <a:t> in guter Qualität zu entwickeln.</a:t>
             </a:r>
           </a:p>
           <a:p>
@@ -3976,12 +3972,16 @@
               </a:spcBef>
             </a:pPr>
             <a:r>
+              <a:rPr lang="de-DE" sz="1050" dirty="0" smtClean="0"/>
+              <a:t>Niemand </a:t>
+            </a:r>
+            <a:r>
               <a:rPr lang="de-DE" sz="1050" dirty="0"/>
-              <a:t>Niemand kann das besser beurteilen als das Team selbst, denn bei der Arbeit entsteht auch der Überblick über das, was das Team können </a:t>
+              <a:t>kann das besser beurteilen als das Team selbst, denn bei der Arbeit entsteht auch der Überblick über das, was </a:t>
             </a:r>
             <a:r>
               <a:rPr lang="de-DE" sz="1050" dirty="0" smtClean="0"/>
-              <a:t>sollte, </a:t>
+              <a:t>gebraucht wird, </a:t>
             </a:r>
             <a:r>
               <a:rPr lang="de-DE" sz="1050" dirty="0"/>
@@ -4035,11 +4035,7 @@
             </a:r>
             <a:r>
               <a:rPr lang="de-DE" sz="1050" dirty="0" smtClean="0"/>
-              <a:t> und die zu bewältigenden Aufgaben benötigt</a:t>
-            </a:r>
-            <a:r>
-              <a:rPr lang="de-DE" sz="1050" dirty="0" smtClean="0"/>
-              <a:t>.</a:t>
+              <a:t> und die zu bewältigenden Aufgaben benötigt.</a:t>
             </a:r>
           </a:p>
           <a:p>
@@ -4106,28 +4102,16 @@
               </a:spcBef>
             </a:pPr>
             <a:r>
+              <a:rPr lang="de-DE" sz="1050" dirty="0"/>
+              <a:t>Daher ist es sinnvoll, nach dem Workshop </a:t>
+            </a:r>
+            <a:r>
               <a:rPr lang="de-DE" sz="1050" dirty="0" smtClean="0"/>
-              <a:t>Daher </a:t>
+              <a:t>Ideen und Argumente </a:t>
             </a:r>
             <a:r>
               <a:rPr lang="de-DE" sz="1050" dirty="0"/>
-              <a:t>ist es sinnvoll, nach dem Workshop den Move "Drain </a:t>
-            </a:r>
-            <a:r>
-              <a:rPr lang="de-DE" sz="1050" dirty="0" err="1"/>
-              <a:t>Snake</a:t>
-            </a:r>
-            <a:r>
-              <a:rPr lang="de-DE" sz="1050" dirty="0"/>
-              <a:t>" </a:t>
-            </a:r>
-            <a:r>
-              <a:rPr lang="de-DE" sz="1050" dirty="0" smtClean="0"/>
-              <a:t>(IDE 10) </a:t>
-            </a:r>
-            <a:r>
-              <a:rPr lang="de-DE" sz="1050" dirty="0"/>
-              <a:t>durchzuführen, um Argumente für/gegen die in der Story </a:t>
+              <a:t>für/gegen die in der Story </a:t>
             </a:r>
             <a:r>
               <a:rPr lang="de-DE" sz="1050" dirty="0" err="1"/>
@@ -4139,24 +4123,63 @@
             </a:r>
             <a:r>
               <a:rPr lang="de-DE" sz="1050" dirty="0" smtClean="0"/>
-              <a:t>sammeln. Die Drain </a:t>
+              <a:t>sammeln und dazu den </a:t>
+            </a:r>
+            <a:r>
+              <a:rPr lang="de-DE" sz="1050" dirty="0"/>
+              <a:t>Move </a:t>
+            </a:r>
+            <a:r>
+              <a:rPr lang="de-DE" sz="1050" dirty="0" smtClean="0"/>
+              <a:t>Drain </a:t>
             </a:r>
             <a:r>
               <a:rPr lang="de-DE" sz="1050" dirty="0" err="1" smtClean="0"/>
               <a:t>Snake</a:t>
             </a:r>
             <a:r>
+              <a:rPr lang="de-DE" sz="1050" dirty="0"/>
+              <a:t> </a:t>
+            </a:r>
+            <a:r>
               <a:rPr lang="de-DE" sz="1050" dirty="0" smtClean="0"/>
-              <a:t> ist </a:t>
+              <a:t>durchzuführen</a:t>
             </a:r>
             <a:r>
               <a:rPr lang="de-DE" sz="1050" dirty="0"/>
-              <a:t>zugleich die Vorbereitung für den 2. Workshop</a:t>
+              <a:t>, </a:t>
             </a:r>
             <a:r>
               <a:rPr lang="de-DE" sz="1050" dirty="0" smtClean="0"/>
-              <a:t>.</a:t>
-            </a:r>
+              <a:t>der in </a:t>
+            </a:r>
+            <a:r>
+              <a:rPr lang="de-DE" sz="1050" dirty="0"/>
+              <a:t>Kombination mit dem </a:t>
+            </a:r>
+            <a:r>
+              <a:rPr lang="de-DE" sz="1050" dirty="0" smtClean="0"/>
+              <a:t>Aktualisierungstreffen zugleich </a:t>
+            </a:r>
+            <a:r>
+              <a:rPr lang="de-DE" sz="1050" dirty="0"/>
+              <a:t>die Vorbereitung für den 2. </a:t>
+            </a:r>
+            <a:r>
+              <a:rPr lang="de-DE" sz="1050" dirty="0" smtClean="0"/>
+              <a:t>Workshop ist.</a:t>
+            </a:r>
+            <a:endParaRPr lang="de-DE" sz="1050" dirty="0"/>
+          </a:p>
+          <a:p>
+            <a:pPr>
+              <a:lnSpc>
+                <a:spcPts val="1300"/>
+              </a:lnSpc>
+              <a:spcBef>
+                <a:spcPts val="600"/>
+              </a:spcBef>
+            </a:pPr>
             <a:endParaRPr lang="de-DE" sz="1050" dirty="0"/>
           </a:p>
         </p:txBody>
@@ -4293,42 +4316,27 @@
               </a:lnSpc>
             </a:pPr>
             <a:r>
+              <a:rPr lang="de-DE" b="1" dirty="0" smtClean="0">
+                <a:latin typeface="Avenir Heavy"/>
+                <a:cs typeface="Avenir Heavy"/>
+              </a:rPr>
+              <a:t>Material: </a:t>
+            </a:r>
+            <a:r>
+              <a:rPr lang="de-DE" dirty="0" smtClean="0"/>
+              <a:t>Klebezettel, Stifte</a:t>
+            </a:r>
+            <a:r>
+              <a:rPr lang="de-DE" dirty="0" smtClean="0"/>
+              <a:t>, </a:t>
+            </a:r>
+            <a:r>
+              <a:rPr lang="de-DE" dirty="0" smtClean="0"/>
+              <a:t>Wand</a:t>
+            </a:r>
+            <a:r>
               <a:rPr lang="de-DE" dirty="0"/>
-              <a:t>Material:</a:t>
-            </a:r>
-          </a:p>
-          <a:p>
-            <a:pPr lvl="1">
-              <a:lnSpc>
-                <a:spcPts val="1200"/>
-              </a:lnSpc>
-            </a:pPr>
-            <a:r>
-              <a:rPr lang="de-DE" dirty="0" smtClean="0"/>
-              <a:t>Klebezettel </a:t>
-            </a:r>
-            <a:endParaRPr lang="de-DE" dirty="0"/>
-          </a:p>
-          <a:p>
-            <a:pPr lvl="1">
-              <a:lnSpc>
-                <a:spcPts val="1200"/>
-              </a:lnSpc>
-            </a:pPr>
-            <a:r>
-              <a:rPr lang="de-DE" dirty="0"/>
-              <a:t>Stifte</a:t>
-            </a:r>
-          </a:p>
-          <a:p>
-            <a:pPr lvl="1">
-              <a:lnSpc>
-                <a:spcPts val="1200"/>
-              </a:lnSpc>
-            </a:pPr>
-            <a:r>
-              <a:rPr lang="de-DE" dirty="0"/>
-              <a:t>Wand- oder </a:t>
+              <a:t>- oder </a:t>
             </a:r>
             <a:r>
               <a:rPr lang="de-DE" dirty="0" smtClean="0"/>
@@ -4354,8 +4362,15 @@
               </a:lnSpc>
             </a:pPr>
             <a:r>
+              <a:rPr lang="de-DE" dirty="0" smtClean="0">
+                <a:latin typeface="Avenir Heavy"/>
+                <a:cs typeface="Avenir Heavy"/>
+              </a:rPr>
+              <a:t>Zeit: </a:t>
+            </a:r>
+            <a:r>
               <a:rPr lang="de-DE" dirty="0" smtClean="0"/>
-              <a:t>Zeit: mind. 90 Minuten</a:t>
+              <a:t>60 Minuten bei einem Team von 5 – 10 Personen</a:t>
             </a:r>
           </a:p>
           <a:p>
@@ -4370,16 +4385,17 @@
             </a:r>
             <a:r>
               <a:rPr lang="de-DE" dirty="0"/>
-              <a:t>nachdem wie groß Dein Team ist, </a:t>
+              <a:t>nachdem wie groß das Team ist und wie ihr arbeiten möchtet, könnt Ihr bei jedem Schritt einzeln, in Kleingruppen oder im gesamten Team </a:t>
             </a:r>
             <a:r>
               <a:rPr lang="de-DE" dirty="0" smtClean="0"/>
-              <a:t>könnt </a:t>
-            </a:r>
-            <a:r>
-              <a:rPr lang="de-DE" dirty="0"/>
-              <a:t>Ihr im gesamten Team, einzeln oder in Kleingruppen arbeiten.</a:t>
-            </a:r>
+              <a:t>arbeiten</a:t>
+            </a:r>
+            <a:r>
+              <a:rPr lang="de-DE" dirty="0" smtClean="0"/>
+              <a:t>.</a:t>
+            </a:r>
+            <a:endParaRPr lang="de-DE" dirty="0"/>
           </a:p>
           <a:p>
             <a:pPr>
@@ -4421,30 +4437,11 @@
             </a:pPr>
             <a:r>
               <a:rPr lang="de-DE" dirty="0" smtClean="0"/>
-              <a:t>Sammelt in einem Brainstorming 15 Minuten lang alles</a:t>
+              <a:t>Sammelt in </a:t>
             </a:r>
             <a:r>
               <a:rPr lang="de-DE" dirty="0"/>
-              <a:t>, was Euch zu dieser Frage einfällt und </a:t>
-            </a:r>
-            <a:r>
-              <a:rPr lang="de-DE" dirty="0" smtClean="0"/>
-              <a:t/>
-            </a:r>
-            <a:br>
-              <a:rPr lang="de-DE" dirty="0" smtClean="0"/>
-            </a:br>
-            <a:r>
-              <a:rPr lang="de-DE" dirty="0" smtClean="0"/>
-              <a:t>schreibt </a:t>
-            </a:r>
-            <a:r>
-              <a:rPr lang="de-DE" dirty="0"/>
-              <a:t>jede Fähigkeit auf </a:t>
-            </a:r>
-            <a:r>
-              <a:rPr lang="de-DE" dirty="0" smtClean="0"/>
-              <a:t>einen Klebezettel.</a:t>
+              <a:t>einem Brainstorming 5 Minuten lang alles, was Euch zu dieser Frage einfällt und schreibt jede Fähigkeit auf einen Klebezettel. Das Brainstorming kann einzeln (jeder für sich), in den Kleingruppen oder auch gemeinsam erfolgen. </a:t>
             </a:r>
           </a:p>
           <a:p>
@@ -4459,52 +4456,17 @@
             </a:r>
             <a:r>
               <a:rPr lang="de-DE" dirty="0"/>
-              <a:t>nun </a:t>
-            </a:r>
-            <a:r>
-              <a:rPr lang="de-DE" dirty="0" smtClean="0"/>
-              <a:t>im </a:t>
-            </a:r>
-            <a:r>
-              <a:rPr lang="de-DE" dirty="0"/>
-              <a:t>gesamten </a:t>
-            </a:r>
-            <a:r>
-              <a:rPr lang="de-DE" dirty="0" smtClean="0"/>
-              <a:t>Team die Ergebnisse zusammen. </a:t>
-            </a:r>
-            <a:r>
-              <a:rPr lang="de-DE" dirty="0"/>
-              <a:t>Lest dafür nacheinander einzeln die Fähigkeiten </a:t>
-            </a:r>
-            <a:r>
-              <a:rPr lang="de-DE" dirty="0" smtClean="0"/>
-              <a:t>vor und hängt die Zettel an eine Wand. Sucht dabei nach </a:t>
-            </a:r>
-            <a:r>
-              <a:rPr lang="de-DE" dirty="0" smtClean="0"/>
-              <a:t>Clustern </a:t>
-            </a:r>
-            <a:r>
-              <a:rPr lang="de-DE" dirty="0" smtClean="0"/>
-              <a:t>in den Fähigkeiten </a:t>
-            </a:r>
-            <a:r>
-              <a:rPr lang="de-DE" dirty="0"/>
-              <a:t>und findet einen Oberbegriff für </a:t>
-            </a:r>
-            <a:r>
-              <a:rPr lang="de-DE" dirty="0" smtClean="0"/>
-              <a:t>jedes </a:t>
-            </a:r>
-            <a:r>
-              <a:rPr lang="de-DE" dirty="0" err="1" smtClean="0"/>
+              <a:t>nun im gesamten Team die Ergebnisse zusammen. Lest dafür nacheinander einzeln die Fähigkeiten vor und hängt die Zettel an eine Wand. Sucht dabei nach Clustern in den Fähigkeiten und findet einen Oberbegriff für jedes </a:t>
+            </a:r>
+            <a:r>
+              <a:rPr lang="de-DE" dirty="0" err="1"/>
               <a:t>Fähigkeitencluster</a:t>
             </a:r>
             <a:r>
               <a:rPr lang="de-DE" dirty="0" smtClean="0"/>
               <a:t>.</a:t>
             </a:r>
+            <a:endParaRPr lang="de-DE" dirty="0"/>
           </a:p>
           <a:p>
             <a:pPr>
@@ -4514,19 +4476,19 @@
             </a:pPr>
             <a:r>
               <a:rPr lang="de-DE" dirty="0" smtClean="0"/>
-              <a:t>Hängt die </a:t>
+              <a:t>Hängt </a:t>
             </a:r>
             <a:r>
               <a:rPr lang="de-DE" dirty="0"/>
-              <a:t>Oberbegriffe mit einer anderen </a:t>
+              <a:t>die Oberbegriffe mit einer anderen Klebezettel-Farbe in einer Reihe nebeneinander. Das ist Euer "Backbone", das Rückgrat Eurer notwendigen Kompetenzen. Sammelt die passenden Fähigkeiten darunter, </a:t>
             </a:r>
             <a:r>
               <a:rPr lang="de-DE" dirty="0" smtClean="0"/>
-              <a:t>Klebezettel-Farbe </a:t>
+              <a:t>so dass </a:t>
             </a:r>
             <a:r>
               <a:rPr lang="de-DE" dirty="0"/>
-              <a:t>in einer Reihe nebeneinander (Backbone) und sammelt die passenden Fähigkeiten darunter, sodass eine Story </a:t>
+              <a:t>eine Story </a:t>
             </a:r>
             <a:r>
               <a:rPr lang="de-DE" dirty="0" err="1"/>
@@ -4538,7 +4500,7 @@
             </a:r>
             <a:r>
               <a:rPr lang="de-DE" dirty="0" smtClean="0"/>
-              <a:t>. </a:t>
+              <a:t>.</a:t>
             </a:r>
             <a:endParaRPr lang="de-DE" dirty="0"/>
           </a:p>
@@ -4549,25 +4511,14 @@
               </a:lnSpc>
             </a:pPr>
             <a:r>
+              <a:rPr lang="de-DE" dirty="0" smtClean="0"/>
+              <a:t>Zum </a:t>
+            </a:r>
+            <a:r>
               <a:rPr lang="de-DE" dirty="0"/>
-              <a:t>Zum Schluss nehmt Euch für jede Kategorie 5-10 </a:t>
-            </a:r>
-            <a:r>
-              <a:rPr lang="de-DE" dirty="0" smtClean="0"/>
-              <a:t>Minuten Zeit </a:t>
-            </a:r>
-            <a:r>
-              <a:rPr lang="de-DE" dirty="0"/>
-              <a:t>und diskutiert die Priorisierung der </a:t>
-            </a:r>
-            <a:r>
-              <a:rPr lang="de-DE" dirty="0" smtClean="0"/>
-              <a:t>Fähigkeiten </a:t>
-            </a:r>
-            <a:r>
-              <a:rPr lang="de-DE" dirty="0"/>
-              <a:t>aus. Wie wichtig ist eine Fähigkeit im Bezug auf die Entwicklung guter Software? Sammelt zuerst alle Argumente und einigt euch dann im Konsens auf eine Reihenfolge.</a:t>
-            </a:r>
+              <a:t>Schluss diskutiert die Priorisierung der Fähigkeiten aus. Wie wichtig ist eine Fähigkeit im Bezug auf die Entwicklung guter Software? Sammelt zuerst alle Argumente und einigt euch dann im Konsens auf eine Reihenfolge. </a:t>
+            </a:r>
+            <a:endParaRPr lang="de-DE" dirty="0" smtClean="0"/>
           </a:p>
           <a:p>
             <a:pPr>
@@ -4576,68 +4527,28 @@
               </a:lnSpc>
             </a:pPr>
             <a:r>
-              <a:rPr lang="de-DE" dirty="0" smtClean="0"/>
-              <a:t>Arbeitet nach </a:t>
-            </a:r>
-            <a:r>
               <a:rPr lang="de-DE" dirty="0"/>
-              <a:t>dem Workshop </a:t>
-            </a:r>
-            <a:r>
-              <a:rPr lang="de-DE" dirty="0" smtClean="0"/>
-              <a:t>mit dem Move </a:t>
-            </a:r>
-            <a:r>
-              <a:rPr lang="de-DE" dirty="0"/>
-              <a:t>"Drain </a:t>
+              <a:t>Arbeitet nach dem Workshop mit den </a:t>
             </a:r>
             <a:r>
               <a:rPr lang="de-DE" dirty="0" err="1"/>
-              <a:t>Snake</a:t>
-            </a:r>
-            <a:r>
-              <a:rPr lang="de-DE" dirty="0"/>
-              <a:t>" </a:t>
-            </a:r>
-            <a:r>
-              <a:rPr lang="de-DE" dirty="0" smtClean="0"/>
-              <a:t>(IDE 10) </a:t>
-            </a:r>
-            <a:r>
-              <a:rPr lang="de-DE" dirty="0" smtClean="0"/>
-              <a:t>weiter und pflegt die </a:t>
-            </a:r>
-            <a:r>
-              <a:rPr lang="de-DE" dirty="0"/>
-              <a:t>neuen </a:t>
-            </a:r>
-            <a:r>
-              <a:rPr lang="de-DE" dirty="0" smtClean="0"/>
-              <a:t>Erkennt-nisse </a:t>
-            </a:r>
-            <a:r>
-              <a:rPr lang="de-DE" dirty="0"/>
-              <a:t>2 Mal pro Woche in einem kurzen Stand </a:t>
-            </a:r>
-            <a:r>
-              <a:rPr lang="de-DE" dirty="0" err="1"/>
-              <a:t>Up</a:t>
+              <a:t>Moves</a:t>
             </a:r>
             <a:r>
               <a:rPr lang="de-DE" dirty="0"/>
               <a:t> </a:t>
             </a:r>
             <a:r>
-              <a:rPr lang="de-DE" dirty="0" err="1"/>
-              <a:t>meeting</a:t>
-            </a:r>
-            <a:r>
-              <a:rPr lang="de-DE" dirty="0"/>
-              <a:t> mit dem gesamten Team in die Story </a:t>
-            </a:r>
-            <a:r>
-              <a:rPr lang="de-DE" dirty="0" err="1"/>
-              <a:t>Map</a:t>
+              <a:rPr lang="de-DE" dirty="0" smtClean="0"/>
+              <a:t>Drain </a:t>
+            </a:r>
+            <a:r>
+              <a:rPr lang="de-DE" dirty="0" err="1" smtClean="0"/>
+              <a:t>Snake</a:t>
+            </a:r>
+            <a:r>
+              <a:rPr lang="de-DE" dirty="0" smtClean="0"/>
+              <a:t> und Aktualisierungstreffen</a:t>
             </a:r>
             <a:r>
               <a:rPr lang="de-DE" dirty="0"/>
@@ -4645,17 +4556,16 @@
             </a:r>
             <a:r>
               <a:rPr lang="de-DE" dirty="0" smtClean="0"/>
-              <a:t>ein.</a:t>
-            </a:r>
-            <a:endParaRPr lang="de-DE" dirty="0"/>
-          </a:p>
-          <a:p>
-            <a:pPr>
-              <a:lnSpc>
-                <a:spcPts val="1200"/>
-              </a:lnSpc>
-            </a:pPr>
-            <a:endParaRPr lang="de-DE" dirty="0"/>
+              <a:t>weiter</a:t>
+            </a:r>
+            <a:r>
+              <a:rPr lang="de-DE" dirty="0"/>
+              <a:t>. Der Workshop ist ein Startpunkt. Die eigentliche Arbeit beginnt nach Ende des Workshops</a:t>
+            </a:r>
+            <a:r>
+              <a:rPr lang="de-DE" dirty="0" smtClean="0"/>
+              <a:t>.</a:t>
+            </a:r>
           </a:p>
         </p:txBody>
       </p:sp>
